--- a/Slides/2 - Developer Setup.pptx
+++ b/Slides/2 - Developer Setup.pptx
@@ -5,15 +5,31 @@
     <p:sldMasterId id="2147483660" r:id="rId1"/>
   </p:sldMasterIdLst>
   <p:notesMasterIdLst>
-    <p:notesMasterId r:id="rId8"/>
+    <p:notesMasterId r:id="rId24"/>
   </p:notesMasterIdLst>
   <p:sldIdLst>
     <p:sldId id="451" r:id="rId2"/>
     <p:sldId id="463" r:id="rId3"/>
-    <p:sldId id="495" r:id="rId4"/>
-    <p:sldId id="496" r:id="rId5"/>
-    <p:sldId id="494" r:id="rId6"/>
-    <p:sldId id="450" r:id="rId7"/>
+    <p:sldId id="497" r:id="rId4"/>
+    <p:sldId id="498" r:id="rId5"/>
+    <p:sldId id="511" r:id="rId6"/>
+    <p:sldId id="495" r:id="rId7"/>
+    <p:sldId id="507" r:id="rId8"/>
+    <p:sldId id="514" r:id="rId9"/>
+    <p:sldId id="506" r:id="rId10"/>
+    <p:sldId id="499" r:id="rId11"/>
+    <p:sldId id="501" r:id="rId12"/>
+    <p:sldId id="500" r:id="rId13"/>
+    <p:sldId id="502" r:id="rId14"/>
+    <p:sldId id="503" r:id="rId15"/>
+    <p:sldId id="505" r:id="rId16"/>
+    <p:sldId id="513" r:id="rId17"/>
+    <p:sldId id="496" r:id="rId18"/>
+    <p:sldId id="508" r:id="rId19"/>
+    <p:sldId id="509" r:id="rId20"/>
+    <p:sldId id="510" r:id="rId21"/>
+    <p:sldId id="494" r:id="rId22"/>
+    <p:sldId id="450" r:id="rId23"/>
   </p:sldIdLst>
   <p:sldSz cx="12192000" cy="6858000"/>
   <p:notesSz cx="6858000" cy="9144000"/>
@@ -119,8 +135,24 @@
           <p14:sldIdLst>
             <p14:sldId id="451"/>
             <p14:sldId id="463"/>
+            <p14:sldId id="497"/>
+            <p14:sldId id="498"/>
+            <p14:sldId id="511"/>
             <p14:sldId id="495"/>
+            <p14:sldId id="507"/>
+            <p14:sldId id="514"/>
+            <p14:sldId id="506"/>
+            <p14:sldId id="499"/>
+            <p14:sldId id="501"/>
+            <p14:sldId id="500"/>
+            <p14:sldId id="502"/>
+            <p14:sldId id="503"/>
+            <p14:sldId id="505"/>
+            <p14:sldId id="513"/>
             <p14:sldId id="496"/>
+            <p14:sldId id="508"/>
+            <p14:sldId id="509"/>
+            <p14:sldId id="510"/>
             <p14:sldId id="494"/>
             <p14:sldId id="450"/>
           </p14:sldIdLst>
@@ -222,7 +254,7 @@
           <a:p>
             <a:fld id="{A9DDBD42-E139-45FA-9C16-1611187CAC3F}" type="datetimeFigureOut">
               <a:rPr lang="en-US" smtClean="0"/>
-              <a:t>10/17/2015</a:t>
+              <a:t>10/20/2015</a:t>
             </a:fld>
             <a:endParaRPr lang="en-US"/>
           </a:p>
@@ -571,6 +603,131 @@
     <p:extLst>
       <p:ext uri="{BB962C8B-B14F-4D97-AF65-F5344CB8AC3E}">
         <p14:creationId xmlns:p14="http://schemas.microsoft.com/office/powerpoint/2010/main" val="1744050345"/>
+      </p:ext>
+    </p:extLst>
+  </p:cSld>
+  <p:clrMapOvr>
+    <a:masterClrMapping/>
+  </p:clrMapOvr>
+</p:notes>
+</file>
+
+<file path=ppt/notesSlides/notesSlide2.xml><?xml version="1.0" encoding="utf-8"?>
+<p:notes xmlns:a="http://schemas.openxmlformats.org/drawingml/2006/main" xmlns:r="http://schemas.openxmlformats.org/officeDocument/2006/relationships" xmlns:p="http://schemas.openxmlformats.org/presentationml/2006/main">
+  <p:cSld>
+    <p:spTree>
+      <p:nvGrpSpPr>
+        <p:cNvPr id="1" name=""/>
+        <p:cNvGrpSpPr/>
+        <p:nvPr/>
+      </p:nvGrpSpPr>
+      <p:grpSpPr>
+        <a:xfrm>
+          <a:off x="0" y="0"/>
+          <a:ext cx="0" cy="0"/>
+          <a:chOff x="0" y="0"/>
+          <a:chExt cx="0" cy="0"/>
+        </a:xfrm>
+      </p:grpSpPr>
+      <p:sp>
+        <p:nvSpPr>
+          <p:cNvPr id="2" name="Slide Image Placeholder 1"/>
+          <p:cNvSpPr>
+            <a:spLocks noGrp="1" noRot="1" noChangeAspect="1"/>
+          </p:cNvSpPr>
+          <p:nvPr>
+            <p:ph type="sldImg"/>
+          </p:nvPr>
+        </p:nvSpPr>
+        <p:spPr/>
+      </p:sp>
+      <p:sp>
+        <p:nvSpPr>
+          <p:cNvPr id="3" name="Notes Placeholder 2"/>
+          <p:cNvSpPr>
+            <a:spLocks noGrp="1"/>
+          </p:cNvSpPr>
+          <p:nvPr>
+            <p:ph type="body" idx="1"/>
+          </p:nvPr>
+        </p:nvSpPr>
+        <p:spPr/>
+        <p:txBody>
+          <a:bodyPr/>
+          <a:lstStyle/>
+          <a:p>
+            <a:r>
+              <a:rPr lang="en-US" dirty="0" smtClean="0"/>
+              <a:t>http://plnkr.co/edit/P85PYJwnrAtdlum4AW9Q?p=preview</a:t>
+            </a:r>
+          </a:p>
+          <a:p>
+            <a:endParaRPr lang="en-US" dirty="0" smtClean="0"/>
+          </a:p>
+          <a:p>
+            <a:r>
+              <a:rPr lang="en-US" dirty="0" err="1" smtClean="0"/>
+              <a:t>var</a:t>
+            </a:r>
+            <a:r>
+              <a:rPr lang="en-US" dirty="0" smtClean="0"/>
+              <a:t> Example = </a:t>
+            </a:r>
+            <a:r>
+              <a:rPr lang="en-US" dirty="0" err="1" smtClean="0"/>
+              <a:t>React.createClass</a:t>
+            </a:r>
+            <a:r>
+              <a:rPr lang="en-US" dirty="0" smtClean="0"/>
+              <a:t>({  render: function()  {    return (      &lt;div&gt;Hello Monkey&lt;/div&gt;      )  }});  </a:t>
+            </a:r>
+            <a:r>
+              <a:rPr lang="en-US" dirty="0" err="1" smtClean="0"/>
+              <a:t>React.render</a:t>
+            </a:r>
+            <a:r>
+              <a:rPr lang="en-US" dirty="0" smtClean="0"/>
+              <a:t>(&lt;Example /&gt;, </a:t>
+            </a:r>
+            <a:r>
+              <a:rPr lang="en-US" dirty="0" err="1" smtClean="0"/>
+              <a:t>document.getElementById</a:t>
+            </a:r>
+            <a:r>
+              <a:rPr lang="en-US" dirty="0" smtClean="0"/>
+              <a:t>('content'))</a:t>
+            </a:r>
+            <a:endParaRPr lang="en-US" dirty="0"/>
+          </a:p>
+        </p:txBody>
+      </p:sp>
+      <p:sp>
+        <p:nvSpPr>
+          <p:cNvPr id="4" name="Slide Number Placeholder 3"/>
+          <p:cNvSpPr>
+            <a:spLocks noGrp="1"/>
+          </p:cNvSpPr>
+          <p:nvPr>
+            <p:ph type="sldNum" sz="quarter" idx="10"/>
+          </p:nvPr>
+        </p:nvSpPr>
+        <p:spPr/>
+        <p:txBody>
+          <a:bodyPr/>
+          <a:lstStyle/>
+          <a:p>
+            <a:fld id="{906AB01E-7BD7-442B-8A6B-D31FAFDAE830}" type="slidenum">
+              <a:rPr lang="en-US" smtClean="0"/>
+              <a:t>5</a:t>
+            </a:fld>
+            <a:endParaRPr lang="en-US"/>
+          </a:p>
+        </p:txBody>
+      </p:sp>
+    </p:spTree>
+    <p:extLst>
+      <p:ext uri="{BB962C8B-B14F-4D97-AF65-F5344CB8AC3E}">
+        <p14:creationId xmlns:p14="http://schemas.microsoft.com/office/powerpoint/2010/main" val="1108903637"/>
       </p:ext>
     </p:extLst>
   </p:cSld>
@@ -3263,6 +3420,834 @@
 </p:sld>
 </file>
 
+<file path=ppt/slides/slide10.xml><?xml version="1.0" encoding="utf-8"?>
+<p:sld xmlns:a="http://schemas.openxmlformats.org/drawingml/2006/main" xmlns:r="http://schemas.openxmlformats.org/officeDocument/2006/relationships" xmlns:p="http://schemas.openxmlformats.org/presentationml/2006/main">
+  <p:cSld>
+    <p:spTree>
+      <p:nvGrpSpPr>
+        <p:cNvPr id="1" name=""/>
+        <p:cNvGrpSpPr/>
+        <p:nvPr/>
+      </p:nvGrpSpPr>
+      <p:grpSpPr>
+        <a:xfrm>
+          <a:off x="0" y="0"/>
+          <a:ext cx="0" cy="0"/>
+          <a:chOff x="0" y="0"/>
+          <a:chExt cx="0" cy="0"/>
+        </a:xfrm>
+      </p:grpSpPr>
+      <p:sp>
+        <p:nvSpPr>
+          <p:cNvPr id="2" name="Title 1"/>
+          <p:cNvSpPr>
+            <a:spLocks noGrp="1"/>
+          </p:cNvSpPr>
+          <p:nvPr>
+            <p:ph type="title"/>
+          </p:nvPr>
+        </p:nvSpPr>
+        <p:spPr/>
+        <p:txBody>
+          <a:bodyPr/>
+          <a:lstStyle/>
+          <a:p>
+            <a:r>
+              <a:rPr lang="en-US" dirty="0" smtClean="0"/>
+              <a:t>Yeoman</a:t>
+            </a:r>
+            <a:endParaRPr lang="en-US" dirty="0"/>
+          </a:p>
+        </p:txBody>
+      </p:sp>
+      <p:sp>
+        <p:nvSpPr>
+          <p:cNvPr id="4" name="TextBox 3"/>
+          <p:cNvSpPr txBox="1"/>
+          <p:nvPr/>
+        </p:nvSpPr>
+        <p:spPr>
+          <a:xfrm>
+            <a:off x="502276" y="1245702"/>
+            <a:ext cx="9350124" cy="1754326"/>
+          </a:xfrm>
+          <a:prstGeom prst="rect">
+            <a:avLst/>
+          </a:prstGeom>
+          <a:noFill/>
+        </p:spPr>
+        <p:txBody>
+          <a:bodyPr wrap="none" rtlCol="0">
+            <a:spAutoFit/>
+          </a:bodyPr>
+          <a:lstStyle/>
+          <a:p>
+            <a:pPr marL="571500" indent="-571500">
+              <a:buFont typeface="Calibri" panose="020F0502020204030204" pitchFamily="34" charset="0"/>
+              <a:buChar char="­"/>
+            </a:pPr>
+            <a:r>
+              <a:rPr lang="en-US" sz="3600" dirty="0" smtClean="0"/>
+              <a:t>Scaffolder</a:t>
+            </a:r>
+          </a:p>
+          <a:p>
+            <a:pPr marL="571500" indent="-571500">
+              <a:buFont typeface="Calibri" panose="020F0502020204030204" pitchFamily="34" charset="0"/>
+              <a:buChar char="­"/>
+            </a:pPr>
+            <a:r>
+              <a:rPr lang="en-US" sz="3600" dirty="0" smtClean="0"/>
+              <a:t>Used to create an application skeleton</a:t>
+            </a:r>
+          </a:p>
+          <a:p>
+            <a:pPr marL="571500" indent="-571500">
+              <a:buFont typeface="Calibri" panose="020F0502020204030204" pitchFamily="34" charset="0"/>
+              <a:buChar char="­"/>
+            </a:pPr>
+            <a:r>
+              <a:rPr lang="en-US" sz="3600" dirty="0" smtClean="0"/>
+              <a:t>Usually kind of opinionated, pick your favorite</a:t>
+            </a:r>
+            <a:endParaRPr lang="en-US" sz="3600" dirty="0"/>
+          </a:p>
+        </p:txBody>
+      </p:sp>
+    </p:spTree>
+    <p:extLst>
+      <p:ext uri="{BB962C8B-B14F-4D97-AF65-F5344CB8AC3E}">
+        <p14:creationId xmlns:p14="http://schemas.microsoft.com/office/powerpoint/2010/main" val="3820851830"/>
+      </p:ext>
+    </p:extLst>
+  </p:cSld>
+  <p:clrMapOvr>
+    <a:masterClrMapping/>
+  </p:clrMapOvr>
+  <p:timing>
+    <p:tnLst>
+      <p:par>
+        <p:cTn id="1" dur="indefinite" restart="never" nodeType="tmRoot"/>
+      </p:par>
+    </p:tnLst>
+  </p:timing>
+</p:sld>
+</file>
+
+<file path=ppt/slides/slide11.xml><?xml version="1.0" encoding="utf-8"?>
+<p:sld xmlns:a="http://schemas.openxmlformats.org/drawingml/2006/main" xmlns:r="http://schemas.openxmlformats.org/officeDocument/2006/relationships" xmlns:p="http://schemas.openxmlformats.org/presentationml/2006/main">
+  <p:cSld>
+    <p:spTree>
+      <p:nvGrpSpPr>
+        <p:cNvPr id="1" name=""/>
+        <p:cNvGrpSpPr/>
+        <p:nvPr/>
+      </p:nvGrpSpPr>
+      <p:grpSpPr>
+        <a:xfrm>
+          <a:off x="0" y="0"/>
+          <a:ext cx="0" cy="0"/>
+          <a:chOff x="0" y="0"/>
+          <a:chExt cx="0" cy="0"/>
+        </a:xfrm>
+      </p:grpSpPr>
+      <p:sp>
+        <p:nvSpPr>
+          <p:cNvPr id="2" name="Title 1"/>
+          <p:cNvSpPr>
+            <a:spLocks noGrp="1"/>
+          </p:cNvSpPr>
+          <p:nvPr>
+            <p:ph type="title"/>
+          </p:nvPr>
+        </p:nvSpPr>
+        <p:spPr/>
+        <p:txBody>
+          <a:bodyPr/>
+          <a:lstStyle/>
+          <a:p>
+            <a:r>
+              <a:rPr lang="en-US" dirty="0" smtClean="0"/>
+              <a:t>Installing Yeoman Generators</a:t>
+            </a:r>
+            <a:endParaRPr lang="en-US" dirty="0"/>
+          </a:p>
+        </p:txBody>
+      </p:sp>
+      <p:pic>
+        <p:nvPicPr>
+          <p:cNvPr id="3" name="Picture 2" descr="Screen Clipping"/>
+          <p:cNvPicPr>
+            <a:picLocks noChangeAspect="1"/>
+          </p:cNvPicPr>
+          <p:nvPr/>
+        </p:nvPicPr>
+        <p:blipFill>
+          <a:blip r:embed="rId2">
+            <a:extLst>
+              <a:ext uri="{28A0092B-C50C-407E-A947-70E740481C1C}">
+                <a14:useLocalDpi xmlns:a14="http://schemas.microsoft.com/office/drawing/2010/main" val="0"/>
+              </a:ext>
+            </a:extLst>
+          </a:blip>
+          <a:stretch>
+            <a:fillRect/>
+          </a:stretch>
+        </p:blipFill>
+        <p:spPr>
+          <a:xfrm>
+            <a:off x="785951" y="855626"/>
+            <a:ext cx="10517068" cy="6277851"/>
+          </a:xfrm>
+          <a:prstGeom prst="rect">
+            <a:avLst/>
+          </a:prstGeom>
+        </p:spPr>
+      </p:pic>
+    </p:spTree>
+    <p:extLst>
+      <p:ext uri="{BB962C8B-B14F-4D97-AF65-F5344CB8AC3E}">
+        <p14:creationId xmlns:p14="http://schemas.microsoft.com/office/powerpoint/2010/main" val="3735077967"/>
+      </p:ext>
+    </p:extLst>
+  </p:cSld>
+  <p:clrMapOvr>
+    <a:masterClrMapping/>
+  </p:clrMapOvr>
+  <p:timing>
+    <p:tnLst>
+      <p:par>
+        <p:cTn id="1" dur="indefinite" restart="never" nodeType="tmRoot"/>
+      </p:par>
+    </p:tnLst>
+  </p:timing>
+</p:sld>
+</file>
+
+<file path=ppt/slides/slide12.xml><?xml version="1.0" encoding="utf-8"?>
+<p:sld xmlns:a="http://schemas.openxmlformats.org/drawingml/2006/main" xmlns:r="http://schemas.openxmlformats.org/officeDocument/2006/relationships" xmlns:p="http://schemas.openxmlformats.org/presentationml/2006/main">
+  <p:cSld>
+    <p:spTree>
+      <p:nvGrpSpPr>
+        <p:cNvPr id="1" name=""/>
+        <p:cNvGrpSpPr/>
+        <p:nvPr/>
+      </p:nvGrpSpPr>
+      <p:grpSpPr>
+        <a:xfrm>
+          <a:off x="0" y="0"/>
+          <a:ext cx="0" cy="0"/>
+          <a:chOff x="0" y="0"/>
+          <a:chExt cx="0" cy="0"/>
+        </a:xfrm>
+      </p:grpSpPr>
+      <p:pic>
+        <p:nvPicPr>
+          <p:cNvPr id="9" name="Picture 8" descr="yo"/>
+          <p:cNvPicPr>
+            <a:picLocks noChangeAspect="1"/>
+          </p:cNvPicPr>
+          <p:nvPr/>
+        </p:nvPicPr>
+        <p:blipFill>
+          <a:blip r:embed="rId2">
+            <a:extLst>
+              <a:ext uri="{28A0092B-C50C-407E-A947-70E740481C1C}">
+                <a14:useLocalDpi xmlns:a14="http://schemas.microsoft.com/office/drawing/2010/main" val="0"/>
+              </a:ext>
+            </a:extLst>
+          </a:blip>
+          <a:stretch>
+            <a:fillRect/>
+          </a:stretch>
+        </p:blipFill>
+        <p:spPr>
+          <a:xfrm>
+            <a:off x="1702594" y="-56543"/>
+            <a:ext cx="8786812" cy="6971086"/>
+          </a:xfrm>
+          <a:prstGeom prst="rect">
+            <a:avLst/>
+          </a:prstGeom>
+        </p:spPr>
+      </p:pic>
+    </p:spTree>
+    <p:extLst>
+      <p:ext uri="{BB962C8B-B14F-4D97-AF65-F5344CB8AC3E}">
+        <p14:creationId xmlns:p14="http://schemas.microsoft.com/office/powerpoint/2010/main" val="4181598138"/>
+      </p:ext>
+    </p:extLst>
+  </p:cSld>
+  <p:clrMapOvr>
+    <a:masterClrMapping/>
+  </p:clrMapOvr>
+  <p:timing>
+    <p:tnLst>
+      <p:par>
+        <p:cTn id="1" dur="indefinite" restart="never" nodeType="tmRoot"/>
+      </p:par>
+    </p:tnLst>
+  </p:timing>
+</p:sld>
+</file>
+
+<file path=ppt/slides/slide13.xml><?xml version="1.0" encoding="utf-8"?>
+<p:sld xmlns:a="http://schemas.openxmlformats.org/drawingml/2006/main" xmlns:r="http://schemas.openxmlformats.org/officeDocument/2006/relationships" xmlns:p="http://schemas.openxmlformats.org/presentationml/2006/main">
+  <p:cSld>
+    <p:spTree>
+      <p:nvGrpSpPr>
+        <p:cNvPr id="1" name=""/>
+        <p:cNvGrpSpPr/>
+        <p:nvPr/>
+      </p:nvGrpSpPr>
+      <p:grpSpPr>
+        <a:xfrm>
+          <a:off x="0" y="0"/>
+          <a:ext cx="0" cy="0"/>
+          <a:chOff x="0" y="0"/>
+          <a:chExt cx="0" cy="0"/>
+        </a:xfrm>
+      </p:grpSpPr>
+      <p:pic>
+        <p:nvPicPr>
+          <p:cNvPr id="9" name="Picture 8" descr="yo"/>
+          <p:cNvPicPr>
+            <a:picLocks noChangeAspect="1"/>
+          </p:cNvPicPr>
+          <p:nvPr/>
+        </p:nvPicPr>
+        <p:blipFill>
+          <a:blip r:embed="rId2">
+            <a:extLst>
+              <a:ext uri="{28A0092B-C50C-407E-A947-70E740481C1C}">
+                <a14:useLocalDpi xmlns:a14="http://schemas.microsoft.com/office/drawing/2010/main" val="0"/>
+              </a:ext>
+            </a:extLst>
+          </a:blip>
+          <a:stretch>
+            <a:fillRect/>
+          </a:stretch>
+        </p:blipFill>
+        <p:spPr>
+          <a:xfrm>
+            <a:off x="1702594" y="-56543"/>
+            <a:ext cx="8786812" cy="6971086"/>
+          </a:xfrm>
+          <a:prstGeom prst="rect">
+            <a:avLst/>
+          </a:prstGeom>
+        </p:spPr>
+      </p:pic>
+      <p:pic>
+        <p:nvPicPr>
+          <p:cNvPr id="10" name="Picture 9" descr="npm"/>
+          <p:cNvPicPr>
+            <a:picLocks noChangeAspect="1"/>
+          </p:cNvPicPr>
+          <p:nvPr/>
+        </p:nvPicPr>
+        <p:blipFill>
+          <a:blip r:embed="rId3">
+            <a:extLst>
+              <a:ext uri="{28A0092B-C50C-407E-A947-70E740481C1C}">
+                <a14:useLocalDpi xmlns:a14="http://schemas.microsoft.com/office/drawing/2010/main" val="0"/>
+              </a:ext>
+            </a:extLst>
+          </a:blip>
+          <a:stretch>
+            <a:fillRect/>
+          </a:stretch>
+        </p:blipFill>
+        <p:spPr>
+          <a:xfrm>
+            <a:off x="1702594" y="-113086"/>
+            <a:ext cx="8786812" cy="6971086"/>
+          </a:xfrm>
+          <a:prstGeom prst="rect">
+            <a:avLst/>
+          </a:prstGeom>
+        </p:spPr>
+      </p:pic>
+    </p:spTree>
+    <p:extLst>
+      <p:ext uri="{BB962C8B-B14F-4D97-AF65-F5344CB8AC3E}">
+        <p14:creationId xmlns:p14="http://schemas.microsoft.com/office/powerpoint/2010/main" val="2492178290"/>
+      </p:ext>
+    </p:extLst>
+  </p:cSld>
+  <p:clrMapOvr>
+    <a:masterClrMapping/>
+  </p:clrMapOvr>
+  <p:timing>
+    <p:tnLst>
+      <p:par>
+        <p:cTn id="1" dur="indefinite" restart="never" nodeType="tmRoot"/>
+      </p:par>
+    </p:tnLst>
+  </p:timing>
+</p:sld>
+</file>
+
+<file path=ppt/slides/slide14.xml><?xml version="1.0" encoding="utf-8"?>
+<p:sld xmlns:a="http://schemas.openxmlformats.org/drawingml/2006/main" xmlns:r="http://schemas.openxmlformats.org/officeDocument/2006/relationships" xmlns:p="http://schemas.openxmlformats.org/presentationml/2006/main">
+  <p:cSld>
+    <p:spTree>
+      <p:nvGrpSpPr>
+        <p:cNvPr id="1" name=""/>
+        <p:cNvGrpSpPr/>
+        <p:nvPr/>
+      </p:nvGrpSpPr>
+      <p:grpSpPr>
+        <a:xfrm>
+          <a:off x="0" y="0"/>
+          <a:ext cx="0" cy="0"/>
+          <a:chOff x="0" y="0"/>
+          <a:chExt cx="0" cy="0"/>
+        </a:xfrm>
+      </p:grpSpPr>
+      <p:pic>
+        <p:nvPicPr>
+          <p:cNvPr id="11" name="Picture 10" descr="Screen Clipping"/>
+          <p:cNvPicPr>
+            <a:picLocks noChangeAspect="1"/>
+          </p:cNvPicPr>
+          <p:nvPr/>
+        </p:nvPicPr>
+        <p:blipFill>
+          <a:blip r:embed="rId2">
+            <a:extLst>
+              <a:ext uri="{28A0092B-C50C-407E-A947-70E740481C1C}">
+                <a14:useLocalDpi xmlns:a14="http://schemas.microsoft.com/office/drawing/2010/main" val="0"/>
+              </a:ext>
+            </a:extLst>
+          </a:blip>
+          <a:stretch>
+            <a:fillRect/>
+          </a:stretch>
+        </p:blipFill>
+        <p:spPr>
+          <a:xfrm>
+            <a:off x="1702594" y="0"/>
+            <a:ext cx="8786812" cy="6858000"/>
+          </a:xfrm>
+          <a:prstGeom prst="rect">
+            <a:avLst/>
+          </a:prstGeom>
+        </p:spPr>
+      </p:pic>
+    </p:spTree>
+    <p:extLst>
+      <p:ext uri="{BB962C8B-B14F-4D97-AF65-F5344CB8AC3E}">
+        <p14:creationId xmlns:p14="http://schemas.microsoft.com/office/powerpoint/2010/main" val="2882364953"/>
+      </p:ext>
+    </p:extLst>
+  </p:cSld>
+  <p:clrMapOvr>
+    <a:masterClrMapping/>
+  </p:clrMapOvr>
+  <p:timing>
+    <p:tnLst>
+      <p:par>
+        <p:cTn id="1" dur="indefinite" restart="never" nodeType="tmRoot"/>
+      </p:par>
+    </p:tnLst>
+  </p:timing>
+</p:sld>
+</file>
+
+<file path=ppt/slides/slide15.xml><?xml version="1.0" encoding="utf-8"?>
+<p:sld xmlns:a="http://schemas.openxmlformats.org/drawingml/2006/main" xmlns:r="http://schemas.openxmlformats.org/officeDocument/2006/relationships" xmlns:p="http://schemas.openxmlformats.org/presentationml/2006/main">
+  <p:cSld>
+    <p:spTree>
+      <p:nvGrpSpPr>
+        <p:cNvPr id="1" name=""/>
+        <p:cNvGrpSpPr/>
+        <p:nvPr/>
+      </p:nvGrpSpPr>
+      <p:grpSpPr>
+        <a:xfrm>
+          <a:off x="0" y="0"/>
+          <a:ext cx="0" cy="0"/>
+          <a:chOff x="0" y="0"/>
+          <a:chExt cx="0" cy="0"/>
+        </a:xfrm>
+      </p:grpSpPr>
+      <p:pic>
+        <p:nvPicPr>
+          <p:cNvPr id="12" name="Picture 11" descr="node-gyp"/>
+          <p:cNvPicPr>
+            <a:picLocks noChangeAspect="1"/>
+          </p:cNvPicPr>
+          <p:nvPr/>
+        </p:nvPicPr>
+        <p:blipFill>
+          <a:blip r:embed="rId2">
+            <a:extLst>
+              <a:ext uri="{28A0092B-C50C-407E-A947-70E740481C1C}">
+                <a14:useLocalDpi xmlns:a14="http://schemas.microsoft.com/office/drawing/2010/main" val="0"/>
+              </a:ext>
+            </a:extLst>
+          </a:blip>
+          <a:stretch>
+            <a:fillRect/>
+          </a:stretch>
+        </p:blipFill>
+        <p:spPr>
+          <a:xfrm>
+            <a:off x="1702594" y="-56543"/>
+            <a:ext cx="8786812" cy="6971086"/>
+          </a:xfrm>
+          <a:prstGeom prst="rect">
+            <a:avLst/>
+          </a:prstGeom>
+        </p:spPr>
+      </p:pic>
+    </p:spTree>
+    <p:extLst>
+      <p:ext uri="{BB962C8B-B14F-4D97-AF65-F5344CB8AC3E}">
+        <p14:creationId xmlns:p14="http://schemas.microsoft.com/office/powerpoint/2010/main" val="3983260203"/>
+      </p:ext>
+    </p:extLst>
+  </p:cSld>
+  <p:clrMapOvr>
+    <a:masterClrMapping/>
+  </p:clrMapOvr>
+  <p:timing>
+    <p:tnLst>
+      <p:par>
+        <p:cTn id="1" dur="indefinite" restart="never" nodeType="tmRoot"/>
+      </p:par>
+    </p:tnLst>
+  </p:timing>
+</p:sld>
+</file>
+
+<file path=ppt/slides/slide16.xml><?xml version="1.0" encoding="utf-8"?>
+<p:sld xmlns:a="http://schemas.openxmlformats.org/drawingml/2006/main" xmlns:r="http://schemas.openxmlformats.org/officeDocument/2006/relationships" xmlns:p="http://schemas.openxmlformats.org/presentationml/2006/main">
+  <p:cSld>
+    <p:spTree>
+      <p:nvGrpSpPr>
+        <p:cNvPr id="1" name=""/>
+        <p:cNvGrpSpPr/>
+        <p:nvPr/>
+      </p:nvGrpSpPr>
+      <p:grpSpPr>
+        <a:xfrm>
+          <a:off x="0" y="0"/>
+          <a:ext cx="0" cy="0"/>
+          <a:chOff x="0" y="0"/>
+          <a:chExt cx="0" cy="0"/>
+        </a:xfrm>
+      </p:grpSpPr>
+      <p:sp>
+        <p:nvSpPr>
+          <p:cNvPr id="4" name="Title 3"/>
+          <p:cNvSpPr>
+            <a:spLocks noGrp="1"/>
+          </p:cNvSpPr>
+          <p:nvPr>
+            <p:ph type="title"/>
+          </p:nvPr>
+        </p:nvSpPr>
+        <p:spPr/>
+        <p:txBody>
+          <a:bodyPr/>
+          <a:lstStyle/>
+          <a:p>
+            <a:r>
+              <a:rPr lang="en-US" dirty="0" smtClean="0"/>
+              <a:t>Yeoman</a:t>
+            </a:r>
+            <a:endParaRPr lang="en-US" dirty="0"/>
+          </a:p>
+        </p:txBody>
+      </p:sp>
+    </p:spTree>
+    <p:extLst>
+      <p:ext uri="{BB962C8B-B14F-4D97-AF65-F5344CB8AC3E}">
+        <p14:creationId xmlns:p14="http://schemas.microsoft.com/office/powerpoint/2010/main" val="2906262172"/>
+      </p:ext>
+    </p:extLst>
+  </p:cSld>
+  <p:clrMapOvr>
+    <a:masterClrMapping/>
+  </p:clrMapOvr>
+  <p:timing>
+    <p:tnLst>
+      <p:par>
+        <p:cTn id="1" dur="indefinite" restart="never" nodeType="tmRoot"/>
+      </p:par>
+    </p:tnLst>
+  </p:timing>
+</p:sld>
+</file>
+
+<file path=ppt/slides/slide17.xml><?xml version="1.0" encoding="utf-8"?>
+<p:sld xmlns:a="http://schemas.openxmlformats.org/drawingml/2006/main" xmlns:r="http://schemas.openxmlformats.org/officeDocument/2006/relationships" xmlns:p="http://schemas.openxmlformats.org/presentationml/2006/main">
+  <p:cSld>
+    <p:spTree>
+      <p:nvGrpSpPr>
+        <p:cNvPr id="1" name=""/>
+        <p:cNvGrpSpPr/>
+        <p:nvPr/>
+      </p:nvGrpSpPr>
+      <p:grpSpPr>
+        <a:xfrm>
+          <a:off x="0" y="0"/>
+          <a:ext cx="0" cy="0"/>
+          <a:chOff x="0" y="0"/>
+          <a:chExt cx="0" cy="0"/>
+        </a:xfrm>
+      </p:grpSpPr>
+      <p:sp>
+        <p:nvSpPr>
+          <p:cNvPr id="2" name="Text Placeholder 1"/>
+          <p:cNvSpPr>
+            <a:spLocks noGrp="1"/>
+          </p:cNvSpPr>
+          <p:nvPr>
+            <p:ph type="body" sz="quarter" idx="10"/>
+          </p:nvPr>
+        </p:nvSpPr>
+        <p:spPr/>
+        <p:txBody>
+          <a:bodyPr/>
+          <a:lstStyle/>
+          <a:p>
+            <a:r>
+              <a:rPr lang="en-US" dirty="0" smtClean="0"/>
+              <a:t>Working with React.js</a:t>
+            </a:r>
+            <a:br>
+              <a:rPr lang="en-US" dirty="0" smtClean="0"/>
+            </a:br>
+            <a:r>
+              <a:rPr lang="en-US" dirty="0" smtClean="0"/>
+              <a:t>in Visual Studio and ASP.NET</a:t>
+            </a:r>
+            <a:endParaRPr lang="en-US" dirty="0"/>
+          </a:p>
+        </p:txBody>
+      </p:sp>
+      <p:sp>
+        <p:nvSpPr>
+          <p:cNvPr id="3" name="Subtitle 2"/>
+          <p:cNvSpPr>
+            <a:spLocks noGrp="1"/>
+          </p:cNvSpPr>
+          <p:nvPr>
+            <p:ph type="subTitle" idx="1"/>
+          </p:nvPr>
+        </p:nvSpPr>
+        <p:spPr/>
+        <p:txBody>
+          <a:bodyPr/>
+          <a:lstStyle/>
+          <a:p>
+            <a:endParaRPr lang="en-US" dirty="0"/>
+          </a:p>
+        </p:txBody>
+      </p:sp>
+    </p:spTree>
+    <p:extLst>
+      <p:ext uri="{BB962C8B-B14F-4D97-AF65-F5344CB8AC3E}">
+        <p14:creationId xmlns:p14="http://schemas.microsoft.com/office/powerpoint/2010/main" val="2319403105"/>
+      </p:ext>
+    </p:extLst>
+  </p:cSld>
+  <p:clrMapOvr>
+    <a:masterClrMapping/>
+  </p:clrMapOvr>
+  <p:timing>
+    <p:tnLst>
+      <p:par>
+        <p:cTn id="1" dur="indefinite" restart="never" nodeType="tmRoot"/>
+      </p:par>
+    </p:tnLst>
+  </p:timing>
+</p:sld>
+</file>
+
+<file path=ppt/slides/slide18.xml><?xml version="1.0" encoding="utf-8"?>
+<p:sld xmlns:a="http://schemas.openxmlformats.org/drawingml/2006/main" xmlns:r="http://schemas.openxmlformats.org/officeDocument/2006/relationships" xmlns:p="http://schemas.openxmlformats.org/presentationml/2006/main">
+  <p:cSld>
+    <p:spTree>
+      <p:nvGrpSpPr>
+        <p:cNvPr id="1" name=""/>
+        <p:cNvGrpSpPr/>
+        <p:nvPr/>
+      </p:nvGrpSpPr>
+      <p:grpSpPr>
+        <a:xfrm>
+          <a:off x="0" y="0"/>
+          <a:ext cx="0" cy="0"/>
+          <a:chOff x="0" y="0"/>
+          <a:chExt cx="0" cy="0"/>
+        </a:xfrm>
+      </p:grpSpPr>
+      <p:sp>
+        <p:nvSpPr>
+          <p:cNvPr id="2" name="Title 1"/>
+          <p:cNvSpPr>
+            <a:spLocks noGrp="1"/>
+          </p:cNvSpPr>
+          <p:nvPr>
+            <p:ph type="title"/>
+          </p:nvPr>
+        </p:nvSpPr>
+        <p:spPr/>
+        <p:txBody>
+          <a:bodyPr/>
+          <a:lstStyle/>
+          <a:p>
+            <a:r>
+              <a:rPr lang="en-US" dirty="0" smtClean="0"/>
+              <a:t>NTVS</a:t>
+            </a:r>
+            <a:endParaRPr lang="en-US" dirty="0"/>
+          </a:p>
+        </p:txBody>
+      </p:sp>
+      <p:pic>
+        <p:nvPicPr>
+          <p:cNvPr id="5" name="Picture 4" descr="Screen Clipping"/>
+          <p:cNvPicPr>
+            <a:picLocks noChangeAspect="1"/>
+          </p:cNvPicPr>
+          <p:nvPr/>
+        </p:nvPicPr>
+        <p:blipFill>
+          <a:blip r:embed="rId2">
+            <a:extLst>
+              <a:ext uri="{28A0092B-C50C-407E-A947-70E740481C1C}">
+                <a14:useLocalDpi xmlns:a14="http://schemas.microsoft.com/office/drawing/2010/main" val="0"/>
+              </a:ext>
+            </a:extLst>
+          </a:blip>
+          <a:stretch>
+            <a:fillRect/>
+          </a:stretch>
+        </p:blipFill>
+        <p:spPr>
+          <a:xfrm>
+            <a:off x="1778958" y="713958"/>
+            <a:ext cx="8725543" cy="6039336"/>
+          </a:xfrm>
+          <a:prstGeom prst="rect">
+            <a:avLst/>
+          </a:prstGeom>
+        </p:spPr>
+      </p:pic>
+    </p:spTree>
+    <p:extLst>
+      <p:ext uri="{BB962C8B-B14F-4D97-AF65-F5344CB8AC3E}">
+        <p14:creationId xmlns:p14="http://schemas.microsoft.com/office/powerpoint/2010/main" val="3853318258"/>
+      </p:ext>
+    </p:extLst>
+  </p:cSld>
+  <p:clrMapOvr>
+    <a:masterClrMapping/>
+  </p:clrMapOvr>
+  <p:timing>
+    <p:tnLst>
+      <p:par>
+        <p:cTn id="1" dur="indefinite" restart="never" nodeType="tmRoot"/>
+      </p:par>
+    </p:tnLst>
+  </p:timing>
+</p:sld>
+</file>
+
+<file path=ppt/slides/slide19.xml><?xml version="1.0" encoding="utf-8"?>
+<p:sld xmlns:a="http://schemas.openxmlformats.org/drawingml/2006/main" xmlns:r="http://schemas.openxmlformats.org/officeDocument/2006/relationships" xmlns:p="http://schemas.openxmlformats.org/presentationml/2006/main">
+  <p:cSld>
+    <p:spTree>
+      <p:nvGrpSpPr>
+        <p:cNvPr id="1" name=""/>
+        <p:cNvGrpSpPr/>
+        <p:nvPr/>
+      </p:nvGrpSpPr>
+      <p:grpSpPr>
+        <a:xfrm>
+          <a:off x="0" y="0"/>
+          <a:ext cx="0" cy="0"/>
+          <a:chOff x="0" y="0"/>
+          <a:chExt cx="0" cy="0"/>
+        </a:xfrm>
+      </p:grpSpPr>
+      <p:sp>
+        <p:nvSpPr>
+          <p:cNvPr id="2" name="Title 1"/>
+          <p:cNvSpPr>
+            <a:spLocks noGrp="1"/>
+          </p:cNvSpPr>
+          <p:nvPr>
+            <p:ph type="title"/>
+          </p:nvPr>
+        </p:nvSpPr>
+        <p:spPr/>
+        <p:txBody>
+          <a:bodyPr/>
+          <a:lstStyle/>
+          <a:p>
+            <a:r>
+              <a:rPr lang="en-US" dirty="0" smtClean="0"/>
+              <a:t>ReactJS.NET</a:t>
+            </a:r>
+            <a:endParaRPr lang="en-US" dirty="0"/>
+          </a:p>
+        </p:txBody>
+      </p:sp>
+      <p:pic>
+        <p:nvPicPr>
+          <p:cNvPr id="4" name="Picture 3"/>
+          <p:cNvPicPr>
+            <a:picLocks noChangeAspect="1"/>
+          </p:cNvPicPr>
+          <p:nvPr/>
+        </p:nvPicPr>
+        <p:blipFill>
+          <a:blip r:embed="rId2">
+            <a:extLst>
+              <a:ext uri="{28A0092B-C50C-407E-A947-70E740481C1C}">
+                <a14:useLocalDpi xmlns:a14="http://schemas.microsoft.com/office/drawing/2010/main" val="0"/>
+              </a:ext>
+            </a:extLst>
+          </a:blip>
+          <a:stretch>
+            <a:fillRect/>
+          </a:stretch>
+        </p:blipFill>
+        <p:spPr>
+          <a:xfrm>
+            <a:off x="1624647" y="1093392"/>
+            <a:ext cx="8942707" cy="5764607"/>
+          </a:xfrm>
+          <a:prstGeom prst="rect">
+            <a:avLst/>
+          </a:prstGeom>
+        </p:spPr>
+      </p:pic>
+    </p:spTree>
+    <p:extLst>
+      <p:ext uri="{BB962C8B-B14F-4D97-AF65-F5344CB8AC3E}">
+        <p14:creationId xmlns:p14="http://schemas.microsoft.com/office/powerpoint/2010/main" val="3953499192"/>
+      </p:ext>
+    </p:extLst>
+  </p:cSld>
+  <p:clrMapOvr>
+    <a:masterClrMapping/>
+  </p:clrMapOvr>
+  <p:timing>
+    <p:tnLst>
+      <p:par>
+        <p:cTn id="1" dur="indefinite" restart="never" nodeType="tmRoot"/>
+      </p:par>
+    </p:tnLst>
+  </p:timing>
+</p:sld>
+</file>
+
 <file path=ppt/slides/slide2.xml><?xml version="1.0" encoding="utf-8"?>
 <p:sld xmlns:a="http://schemas.openxmlformats.org/drawingml/2006/main" xmlns:r="http://schemas.openxmlformats.org/officeDocument/2006/relationships" xmlns:p="http://schemas.openxmlformats.org/presentationml/2006/main">
   <p:cSld>
@@ -3342,7 +4327,7 @@
 </p:sld>
 </file>
 
-<file path=ppt/slides/slide3.xml><?xml version="1.0" encoding="utf-8"?>
+<file path=ppt/slides/slide20.xml><?xml version="1.0" encoding="utf-8"?>
 <p:sld xmlns:a="http://schemas.openxmlformats.org/drawingml/2006/main" xmlns:r="http://schemas.openxmlformats.org/officeDocument/2006/relationships" xmlns:p="http://schemas.openxmlformats.org/presentationml/2006/main">
   <p:cSld>
     <p:spTree>
@@ -3361,12 +4346,12 @@
       </p:grpSpPr>
       <p:sp>
         <p:nvSpPr>
-          <p:cNvPr id="2" name="Text Placeholder 1"/>
+          <p:cNvPr id="2" name="Title 1"/>
           <p:cNvSpPr>
             <a:spLocks noGrp="1"/>
           </p:cNvSpPr>
           <p:nvPr>
-            <p:ph type="body" sz="quarter" idx="10"/>
+            <p:ph type="title"/>
           </p:nvPr>
         </p:nvSpPr>
         <p:spPr/>
@@ -3376,35 +4361,306 @@
           <a:p>
             <a:r>
               <a:rPr lang="en-US" dirty="0" smtClean="0"/>
-              <a:t>Yeoman Generator</a:t>
+              <a:t>Visual Studio extensions</a:t>
             </a:r>
             <a:endParaRPr lang="en-US" dirty="0"/>
           </a:p>
         </p:txBody>
       </p:sp>
-      <p:sp>
-        <p:nvSpPr>
-          <p:cNvPr id="3" name="Subtitle 2"/>
-          <p:cNvSpPr>
-            <a:spLocks noGrp="1"/>
-          </p:cNvSpPr>
-          <p:nvPr>
-            <p:ph type="subTitle" idx="1"/>
-          </p:nvPr>
-        </p:nvSpPr>
-        <p:spPr/>
-        <p:txBody>
-          <a:bodyPr/>
-          <a:lstStyle/>
-          <a:p>
-            <a:endParaRPr lang="en-US" dirty="0"/>
-          </a:p>
-        </p:txBody>
-      </p:sp>
+      <p:grpSp>
+        <p:nvGrpSpPr>
+          <p:cNvPr id="10" name="Group 9"/>
+          <p:cNvGrpSpPr/>
+          <p:nvPr/>
+        </p:nvGrpSpPr>
+        <p:grpSpPr>
+          <a:xfrm>
+            <a:off x="4889818" y="2129170"/>
+            <a:ext cx="2147834" cy="3343240"/>
+            <a:chOff x="4339156" y="1047346"/>
+            <a:chExt cx="2147834" cy="3343240"/>
+          </a:xfrm>
+        </p:grpSpPr>
+        <p:pic>
+          <p:nvPicPr>
+            <p:cNvPr id="5" name="Picture 4" descr="Screen Clipping"/>
+            <p:cNvPicPr>
+              <a:picLocks noChangeAspect="1"/>
+            </p:cNvPicPr>
+            <p:nvPr/>
+          </p:nvPicPr>
+          <p:blipFill>
+            <a:blip r:embed="rId2">
+              <a:extLst>
+                <a:ext uri="{28A0092B-C50C-407E-A947-70E740481C1C}">
+                  <a14:useLocalDpi xmlns:a14="http://schemas.microsoft.com/office/drawing/2010/main" val="0"/>
+                </a:ext>
+              </a:extLst>
+            </a:blip>
+            <a:stretch>
+              <a:fillRect/>
+            </a:stretch>
+          </p:blipFill>
+          <p:spPr>
+            <a:xfrm>
+              <a:off x="4339156" y="1047346"/>
+              <a:ext cx="2147834" cy="2242038"/>
+            </a:xfrm>
+            <a:prstGeom prst="rect">
+              <a:avLst/>
+            </a:prstGeom>
+          </p:spPr>
+        </p:pic>
+        <p:sp>
+          <p:nvSpPr>
+            <p:cNvPr id="6" name="TextBox 5"/>
+            <p:cNvSpPr txBox="1"/>
+            <p:nvPr/>
+          </p:nvSpPr>
+          <p:spPr>
+            <a:xfrm>
+              <a:off x="4441492" y="3190257"/>
+              <a:ext cx="1943161" cy="1200329"/>
+            </a:xfrm>
+            <a:prstGeom prst="rect">
+              <a:avLst/>
+            </a:prstGeom>
+            <a:noFill/>
+          </p:spPr>
+          <p:txBody>
+            <a:bodyPr wrap="none" rtlCol="0">
+              <a:spAutoFit/>
+            </a:bodyPr>
+            <a:lstStyle/>
+            <a:p>
+              <a:pPr algn="ctr"/>
+              <a:r>
+                <a:rPr lang="en-US" sz="3600" dirty="0" smtClean="0">
+                  <a:solidFill>
+                    <a:srgbClr val="631A76"/>
+                  </a:solidFill>
+                  <a:latin typeface="Segoe UI Light" panose="020B0502040204020203" pitchFamily="34" charset="0"/>
+                  <a:cs typeface="Segoe UI Light" panose="020B0502040204020203" pitchFamily="34" charset="0"/>
+                </a:rPr>
+                <a:t>Web</a:t>
+              </a:r>
+            </a:p>
+            <a:p>
+              <a:pPr algn="ctr"/>
+              <a:r>
+                <a:rPr lang="en-US" sz="3600" dirty="0" smtClean="0">
+                  <a:solidFill>
+                    <a:srgbClr val="631A76"/>
+                  </a:solidFill>
+                  <a:latin typeface="Segoe UI Light" panose="020B0502040204020203" pitchFamily="34" charset="0"/>
+                  <a:cs typeface="Segoe UI Light" panose="020B0502040204020203" pitchFamily="34" charset="0"/>
+                </a:rPr>
+                <a:t>Compiler</a:t>
+              </a:r>
+              <a:endParaRPr lang="en-US" sz="1400" dirty="0">
+                <a:solidFill>
+                  <a:srgbClr val="631A76"/>
+                </a:solidFill>
+                <a:latin typeface="Segoe UI Light" panose="020B0502040204020203" pitchFamily="34" charset="0"/>
+                <a:cs typeface="Segoe UI Light" panose="020B0502040204020203" pitchFamily="34" charset="0"/>
+              </a:endParaRPr>
+            </a:p>
+          </p:txBody>
+        </p:sp>
+      </p:grpSp>
+      <p:grpSp>
+        <p:nvGrpSpPr>
+          <p:cNvPr id="14" name="Group 13"/>
+          <p:cNvGrpSpPr/>
+          <p:nvPr/>
+        </p:nvGrpSpPr>
+        <p:grpSpPr>
+          <a:xfrm>
+            <a:off x="549856" y="2131312"/>
+            <a:ext cx="2734257" cy="3338956"/>
+            <a:chOff x="549856" y="1051630"/>
+            <a:chExt cx="2734257" cy="3338956"/>
+          </a:xfrm>
+        </p:grpSpPr>
+        <p:sp>
+          <p:nvSpPr>
+            <p:cNvPr id="7" name="TextBox 6"/>
+            <p:cNvSpPr txBox="1"/>
+            <p:nvPr/>
+          </p:nvSpPr>
+          <p:spPr>
+            <a:xfrm>
+              <a:off x="549856" y="3190257"/>
+              <a:ext cx="2734257" cy="1200329"/>
+            </a:xfrm>
+            <a:prstGeom prst="rect">
+              <a:avLst/>
+            </a:prstGeom>
+            <a:noFill/>
+          </p:spPr>
+          <p:txBody>
+            <a:bodyPr wrap="square" rtlCol="0">
+              <a:spAutoFit/>
+            </a:bodyPr>
+            <a:lstStyle/>
+            <a:p>
+              <a:pPr algn="ctr"/>
+              <a:r>
+                <a:rPr lang="en-US" sz="3600" dirty="0" smtClean="0">
+                  <a:solidFill>
+                    <a:srgbClr val="631A76"/>
+                  </a:solidFill>
+                  <a:latin typeface="Segoe UI Light" panose="020B0502040204020203" pitchFamily="34" charset="0"/>
+                  <a:cs typeface="Segoe UI Light" panose="020B0502040204020203" pitchFamily="34" charset="0"/>
+                </a:rPr>
+                <a:t>React </a:t>
+              </a:r>
+            </a:p>
+            <a:p>
+              <a:pPr algn="ctr"/>
+              <a:r>
+                <a:rPr lang="en-US" sz="3600" dirty="0" smtClean="0">
+                  <a:solidFill>
+                    <a:srgbClr val="631A76"/>
+                  </a:solidFill>
+                  <a:latin typeface="Segoe UI Light" panose="020B0502040204020203" pitchFamily="34" charset="0"/>
+                  <a:cs typeface="Segoe UI Light" panose="020B0502040204020203" pitchFamily="34" charset="0"/>
+                </a:rPr>
+                <a:t>Snippet Pack</a:t>
+              </a:r>
+              <a:endParaRPr lang="en-US" sz="1400" dirty="0">
+                <a:solidFill>
+                  <a:srgbClr val="631A76"/>
+                </a:solidFill>
+                <a:latin typeface="Segoe UI Light" panose="020B0502040204020203" pitchFamily="34" charset="0"/>
+                <a:cs typeface="Segoe UI Light" panose="020B0502040204020203" pitchFamily="34" charset="0"/>
+              </a:endParaRPr>
+            </a:p>
+          </p:txBody>
+        </p:sp>
+        <p:pic>
+          <p:nvPicPr>
+            <p:cNvPr id="8" name="Picture 7" descr="Screen Clipping"/>
+            <p:cNvPicPr>
+              <a:picLocks noChangeAspect="1"/>
+            </p:cNvPicPr>
+            <p:nvPr/>
+          </p:nvPicPr>
+          <p:blipFill>
+            <a:blip r:embed="rId3">
+              <a:extLst>
+                <a:ext uri="{28A0092B-C50C-407E-A947-70E740481C1C}">
+                  <a14:useLocalDpi xmlns:a14="http://schemas.microsoft.com/office/drawing/2010/main" val="0"/>
+                </a:ext>
+              </a:extLst>
+            </a:blip>
+            <a:stretch>
+              <a:fillRect/>
+            </a:stretch>
+          </p:blipFill>
+          <p:spPr>
+            <a:xfrm>
+              <a:off x="746046" y="1051630"/>
+              <a:ext cx="2319125" cy="2237753"/>
+            </a:xfrm>
+            <a:prstGeom prst="rect">
+              <a:avLst/>
+            </a:prstGeom>
+          </p:spPr>
+        </p:pic>
+      </p:grpSp>
+      <p:grpSp>
+        <p:nvGrpSpPr>
+          <p:cNvPr id="13" name="Group 12"/>
+          <p:cNvGrpSpPr/>
+          <p:nvPr/>
+        </p:nvGrpSpPr>
+        <p:grpSpPr>
+          <a:xfrm>
+            <a:off x="8643357" y="2129171"/>
+            <a:ext cx="2734257" cy="3343239"/>
+            <a:chOff x="8643357" y="1047346"/>
+            <a:chExt cx="2734257" cy="3343239"/>
+          </a:xfrm>
+        </p:grpSpPr>
+        <p:pic>
+          <p:nvPicPr>
+            <p:cNvPr id="9" name="Picture 8"/>
+            <p:cNvPicPr>
+              <a:picLocks noChangeAspect="1"/>
+            </p:cNvPicPr>
+            <p:nvPr/>
+          </p:nvPicPr>
+          <p:blipFill>
+            <a:blip r:embed="rId4">
+              <a:extLst>
+                <a:ext uri="{28A0092B-C50C-407E-A947-70E740481C1C}">
+                  <a14:useLocalDpi xmlns:a14="http://schemas.microsoft.com/office/drawing/2010/main" val="0"/>
+                </a:ext>
+              </a:extLst>
+            </a:blip>
+            <a:stretch>
+              <a:fillRect/>
+            </a:stretch>
+          </p:blipFill>
+          <p:spPr>
+            <a:xfrm>
+              <a:off x="9009536" y="1047346"/>
+              <a:ext cx="2001900" cy="2001900"/>
+            </a:xfrm>
+            <a:prstGeom prst="rect">
+              <a:avLst/>
+            </a:prstGeom>
+          </p:spPr>
+        </p:pic>
+        <p:sp>
+          <p:nvSpPr>
+            <p:cNvPr id="12" name="TextBox 11"/>
+            <p:cNvSpPr txBox="1"/>
+            <p:nvPr/>
+          </p:nvSpPr>
+          <p:spPr>
+            <a:xfrm>
+              <a:off x="8643357" y="3190256"/>
+              <a:ext cx="2734257" cy="1200329"/>
+            </a:xfrm>
+            <a:prstGeom prst="rect">
+              <a:avLst/>
+            </a:prstGeom>
+            <a:noFill/>
+          </p:spPr>
+          <p:txBody>
+            <a:bodyPr wrap="square" rtlCol="0">
+              <a:spAutoFit/>
+            </a:bodyPr>
+            <a:lstStyle/>
+            <a:p>
+              <a:pPr algn="ctr"/>
+              <a:r>
+                <a:rPr lang="en-US" sz="3600" dirty="0" smtClean="0">
+                  <a:solidFill>
+                    <a:srgbClr val="631A76"/>
+                  </a:solidFill>
+                  <a:latin typeface="Segoe UI Light" panose="020B0502040204020203" pitchFamily="34" charset="0"/>
+                  <a:cs typeface="Segoe UI Light" panose="020B0502040204020203" pitchFamily="34" charset="0"/>
+                </a:rPr>
+                <a:t>Web Analyzer</a:t>
+              </a:r>
+              <a:endParaRPr lang="en-US" sz="1400" dirty="0">
+                <a:solidFill>
+                  <a:srgbClr val="631A76"/>
+                </a:solidFill>
+                <a:latin typeface="Segoe UI Light" panose="020B0502040204020203" pitchFamily="34" charset="0"/>
+                <a:cs typeface="Segoe UI Light" panose="020B0502040204020203" pitchFamily="34" charset="0"/>
+              </a:endParaRPr>
+            </a:p>
+          </p:txBody>
+        </p:sp>
+      </p:grpSp>
     </p:spTree>
     <p:extLst>
       <p:ext uri="{BB962C8B-B14F-4D97-AF65-F5344CB8AC3E}">
-        <p14:creationId xmlns:p14="http://schemas.microsoft.com/office/powerpoint/2010/main" val="2539802915"/>
+        <p14:creationId xmlns:p14="http://schemas.microsoft.com/office/powerpoint/2010/main" val="3884469906"/>
       </p:ext>
     </p:extLst>
   </p:cSld>
@@ -3421,7 +4677,7 @@
 </p:sld>
 </file>
 
-<file path=ppt/slides/slide4.xml><?xml version="1.0" encoding="utf-8"?>
+<file path=ppt/slides/slide21.xml><?xml version="1.0" encoding="utf-8"?>
 <p:sld xmlns:a="http://schemas.openxmlformats.org/drawingml/2006/main" xmlns:r="http://schemas.openxmlformats.org/officeDocument/2006/relationships" xmlns:p="http://schemas.openxmlformats.org/presentationml/2006/main">
   <p:cSld>
     <p:spTree>
@@ -3440,92 +4696,6 @@
       </p:grpSpPr>
       <p:sp>
         <p:nvSpPr>
-          <p:cNvPr id="2" name="Text Placeholder 1"/>
-          <p:cNvSpPr>
-            <a:spLocks noGrp="1"/>
-          </p:cNvSpPr>
-          <p:nvPr>
-            <p:ph type="body" sz="quarter" idx="10"/>
-          </p:nvPr>
-        </p:nvSpPr>
-        <p:spPr/>
-        <p:txBody>
-          <a:bodyPr/>
-          <a:lstStyle/>
-          <a:p>
-            <a:r>
-              <a:rPr lang="en-US" dirty="0" smtClean="0"/>
-              <a:t>Working with React.js</a:t>
-            </a:r>
-            <a:br>
-              <a:rPr lang="en-US" dirty="0" smtClean="0"/>
-            </a:br>
-            <a:r>
-              <a:rPr lang="en-US" dirty="0" smtClean="0"/>
-              <a:t>in Visual Studio and ASP.NET</a:t>
-            </a:r>
-            <a:endParaRPr lang="en-US" dirty="0"/>
-          </a:p>
-        </p:txBody>
-      </p:sp>
-      <p:sp>
-        <p:nvSpPr>
-          <p:cNvPr id="3" name="Subtitle 2"/>
-          <p:cNvSpPr>
-            <a:spLocks noGrp="1"/>
-          </p:cNvSpPr>
-          <p:nvPr>
-            <p:ph type="subTitle" idx="1"/>
-          </p:nvPr>
-        </p:nvSpPr>
-        <p:spPr/>
-        <p:txBody>
-          <a:bodyPr/>
-          <a:lstStyle/>
-          <a:p>
-            <a:endParaRPr lang="en-US" dirty="0"/>
-          </a:p>
-        </p:txBody>
-      </p:sp>
-    </p:spTree>
-    <p:extLst>
-      <p:ext uri="{BB962C8B-B14F-4D97-AF65-F5344CB8AC3E}">
-        <p14:creationId xmlns:p14="http://schemas.microsoft.com/office/powerpoint/2010/main" val="2319403105"/>
-      </p:ext>
-    </p:extLst>
-  </p:cSld>
-  <p:clrMapOvr>
-    <a:masterClrMapping/>
-  </p:clrMapOvr>
-  <p:timing>
-    <p:tnLst>
-      <p:par>
-        <p:cTn id="1" dur="indefinite" restart="never" nodeType="tmRoot"/>
-      </p:par>
-    </p:tnLst>
-  </p:timing>
-</p:sld>
-</file>
-
-<file path=ppt/slides/slide5.xml><?xml version="1.0" encoding="utf-8"?>
-<p:sld xmlns:a="http://schemas.openxmlformats.org/drawingml/2006/main" xmlns:r="http://schemas.openxmlformats.org/officeDocument/2006/relationships" xmlns:p="http://schemas.openxmlformats.org/presentationml/2006/main">
-  <p:cSld>
-    <p:spTree>
-      <p:nvGrpSpPr>
-        <p:cNvPr id="1" name=""/>
-        <p:cNvGrpSpPr/>
-        <p:nvPr/>
-      </p:nvGrpSpPr>
-      <p:grpSpPr>
-        <a:xfrm>
-          <a:off x="0" y="0"/>
-          <a:ext cx="0" cy="0"/>
-          <a:chOff x="0" y="0"/>
-          <a:chExt cx="0" cy="0"/>
-        </a:xfrm>
-      </p:grpSpPr>
-      <p:sp>
-        <p:nvSpPr>
           <p:cNvPr id="4" name="Title 3"/>
           <p:cNvSpPr>
             <a:spLocks noGrp="1"/>
@@ -3540,8 +4710,8 @@
           <a:lstStyle/>
           <a:p>
             <a:r>
-              <a:rPr lang="en-US" smtClean="0"/>
-              <a:t>Getting React.js</a:t>
+              <a:rPr lang="en-US" dirty="0" smtClean="0"/>
+              <a:t>React with Visual Studio</a:t>
             </a:r>
             <a:endParaRPr lang="en-US" dirty="0"/>
           </a:p>
@@ -3567,7 +4737,7 @@
 </p:sld>
 </file>
 
-<file path=ppt/slides/slide6.xml><?xml version="1.0" encoding="utf-8"?>
+<file path=ppt/slides/slide22.xml><?xml version="1.0" encoding="utf-8"?>
 <p:sld xmlns:a="http://schemas.openxmlformats.org/drawingml/2006/main" xmlns:r="http://schemas.openxmlformats.org/officeDocument/2006/relationships" xmlns:p="http://schemas.openxmlformats.org/presentationml/2006/main">
   <p:cSld>
     <p:spTree>
@@ -3602,6 +4772,761 @@
       <p:transition spd="slow"/>
     </mc:Fallback>
   </mc:AlternateContent>
+  <p:timing>
+    <p:tnLst>
+      <p:par>
+        <p:cTn id="1" dur="indefinite" restart="never" nodeType="tmRoot"/>
+      </p:par>
+    </p:tnLst>
+  </p:timing>
+</p:sld>
+</file>
+
+<file path=ppt/slides/slide3.xml><?xml version="1.0" encoding="utf-8"?>
+<p:sld xmlns:a="http://schemas.openxmlformats.org/drawingml/2006/main" xmlns:r="http://schemas.openxmlformats.org/officeDocument/2006/relationships" xmlns:p="http://schemas.openxmlformats.org/presentationml/2006/main">
+  <p:cSld>
+    <p:spTree>
+      <p:nvGrpSpPr>
+        <p:cNvPr id="1" name=""/>
+        <p:cNvGrpSpPr/>
+        <p:nvPr/>
+      </p:nvGrpSpPr>
+      <p:grpSpPr>
+        <a:xfrm>
+          <a:off x="0" y="0"/>
+          <a:ext cx="0" cy="0"/>
+          <a:chOff x="0" y="0"/>
+          <a:chExt cx="0" cy="0"/>
+        </a:xfrm>
+      </p:grpSpPr>
+      <p:sp>
+        <p:nvSpPr>
+          <p:cNvPr id="4" name="Title 3"/>
+          <p:cNvSpPr>
+            <a:spLocks noGrp="1"/>
+          </p:cNvSpPr>
+          <p:nvPr>
+            <p:ph type="title"/>
+          </p:nvPr>
+        </p:nvSpPr>
+        <p:spPr/>
+        <p:txBody>
+          <a:bodyPr/>
+          <a:lstStyle/>
+          <a:p>
+            <a:r>
+              <a:rPr lang="en-US" dirty="0" smtClean="0"/>
+              <a:t>CDN References</a:t>
+            </a:r>
+            <a:endParaRPr lang="en-US" dirty="0"/>
+          </a:p>
+        </p:txBody>
+      </p:sp>
+      <p:sp>
+        <p:nvSpPr>
+          <p:cNvPr id="7" name="TextBox 6"/>
+          <p:cNvSpPr txBox="1"/>
+          <p:nvPr/>
+        </p:nvSpPr>
+        <p:spPr>
+          <a:xfrm>
+            <a:off x="605307" y="1970468"/>
+            <a:ext cx="9870010" cy="830997"/>
+          </a:xfrm>
+          <a:prstGeom prst="rect">
+            <a:avLst/>
+          </a:prstGeom>
+          <a:noFill/>
+        </p:spPr>
+        <p:txBody>
+          <a:bodyPr wrap="none" rtlCol="0">
+            <a:spAutoFit/>
+          </a:bodyPr>
+          <a:lstStyle/>
+          <a:p>
+            <a:r>
+              <a:rPr lang="en-US" sz="2400" dirty="0">
+                <a:latin typeface="Consolas" panose="020B0609020204030204" pitchFamily="49" charset="0"/>
+              </a:rPr>
+              <a:t>&lt;script </a:t>
+            </a:r>
+            <a:r>
+              <a:rPr lang="en-US" sz="2400" dirty="0" err="1">
+                <a:latin typeface="Consolas" panose="020B0609020204030204" pitchFamily="49" charset="0"/>
+              </a:rPr>
+              <a:t>src</a:t>
+            </a:r>
+            <a:r>
+              <a:rPr lang="en-US" sz="2400" dirty="0">
+                <a:latin typeface="Consolas" panose="020B0609020204030204" pitchFamily="49" charset="0"/>
+              </a:rPr>
+              <a:t>="https://fb.me/react-0.14.0.js"&gt;&lt;/script&gt; </a:t>
+            </a:r>
+            <a:endParaRPr lang="en-US" sz="2400" dirty="0" smtClean="0">
+              <a:latin typeface="Consolas" panose="020B0609020204030204" pitchFamily="49" charset="0"/>
+            </a:endParaRPr>
+          </a:p>
+          <a:p>
+            <a:r>
+              <a:rPr lang="en-US" sz="2400" dirty="0" smtClean="0">
+                <a:latin typeface="Consolas" panose="020B0609020204030204" pitchFamily="49" charset="0"/>
+              </a:rPr>
+              <a:t>&lt;</a:t>
+            </a:r>
+            <a:r>
+              <a:rPr lang="en-US" sz="2400" dirty="0">
+                <a:latin typeface="Consolas" panose="020B0609020204030204" pitchFamily="49" charset="0"/>
+              </a:rPr>
+              <a:t>script </a:t>
+            </a:r>
+            <a:r>
+              <a:rPr lang="en-US" sz="2400" dirty="0" err="1">
+                <a:latin typeface="Consolas" panose="020B0609020204030204" pitchFamily="49" charset="0"/>
+              </a:rPr>
+              <a:t>src</a:t>
+            </a:r>
+            <a:r>
+              <a:rPr lang="en-US" sz="2400" dirty="0">
+                <a:latin typeface="Consolas" panose="020B0609020204030204" pitchFamily="49" charset="0"/>
+              </a:rPr>
+              <a:t>="https://fb.me/react-dom-0.14.0.js"&gt;&lt;/script&gt;</a:t>
+            </a:r>
+          </a:p>
+        </p:txBody>
+      </p:sp>
+      <p:sp>
+        <p:nvSpPr>
+          <p:cNvPr id="8" name="TextBox 7"/>
+          <p:cNvSpPr txBox="1"/>
+          <p:nvPr/>
+        </p:nvSpPr>
+        <p:spPr>
+          <a:xfrm>
+            <a:off x="605307" y="1262582"/>
+            <a:ext cx="2993705" cy="707886"/>
+          </a:xfrm>
+          <a:prstGeom prst="rect">
+            <a:avLst/>
+          </a:prstGeom>
+          <a:noFill/>
+        </p:spPr>
+        <p:txBody>
+          <a:bodyPr wrap="none" rtlCol="0">
+            <a:spAutoFit/>
+          </a:bodyPr>
+          <a:lstStyle/>
+          <a:p>
+            <a:r>
+              <a:rPr lang="en-US" sz="4000" dirty="0" smtClean="0"/>
+              <a:t>Development</a:t>
+            </a:r>
+            <a:endParaRPr lang="en-US" sz="4000" dirty="0"/>
+          </a:p>
+        </p:txBody>
+      </p:sp>
+      <p:sp>
+        <p:nvSpPr>
+          <p:cNvPr id="9" name="TextBox 8"/>
+          <p:cNvSpPr txBox="1"/>
+          <p:nvPr/>
+        </p:nvSpPr>
+        <p:spPr>
+          <a:xfrm>
+            <a:off x="605307" y="4338034"/>
+            <a:ext cx="10549683" cy="830997"/>
+          </a:xfrm>
+          <a:prstGeom prst="rect">
+            <a:avLst/>
+          </a:prstGeom>
+          <a:noFill/>
+        </p:spPr>
+        <p:txBody>
+          <a:bodyPr wrap="none" rtlCol="0">
+            <a:spAutoFit/>
+          </a:bodyPr>
+          <a:lstStyle/>
+          <a:p>
+            <a:r>
+              <a:rPr lang="en-US" sz="2400" dirty="0">
+                <a:latin typeface="Consolas" panose="020B0609020204030204" pitchFamily="49" charset="0"/>
+              </a:rPr>
+              <a:t>&lt;script </a:t>
+            </a:r>
+            <a:r>
+              <a:rPr lang="en-US" sz="2400" dirty="0" err="1">
+                <a:latin typeface="Consolas" panose="020B0609020204030204" pitchFamily="49" charset="0"/>
+              </a:rPr>
+              <a:t>src</a:t>
+            </a:r>
+            <a:r>
+              <a:rPr lang="en-US" sz="2400" dirty="0">
+                <a:latin typeface="Consolas" panose="020B0609020204030204" pitchFamily="49" charset="0"/>
+              </a:rPr>
+              <a:t>="https://fb.me/react-0.14.0.min.js"&gt;&lt;/script&gt;</a:t>
+            </a:r>
+          </a:p>
+          <a:p>
+            <a:r>
+              <a:rPr lang="en-US" sz="2400" dirty="0">
+                <a:latin typeface="Consolas" panose="020B0609020204030204" pitchFamily="49" charset="0"/>
+              </a:rPr>
+              <a:t>&lt;script </a:t>
+            </a:r>
+            <a:r>
+              <a:rPr lang="en-US" sz="2400" dirty="0" err="1">
+                <a:latin typeface="Consolas" panose="020B0609020204030204" pitchFamily="49" charset="0"/>
+              </a:rPr>
+              <a:t>src</a:t>
+            </a:r>
+            <a:r>
+              <a:rPr lang="en-US" sz="2400" dirty="0">
+                <a:latin typeface="Consolas" panose="020B0609020204030204" pitchFamily="49" charset="0"/>
+              </a:rPr>
+              <a:t>="https://fb.me/react-dom-0.14.0.min.js"&gt;&lt;/script&gt;</a:t>
+            </a:r>
+          </a:p>
+        </p:txBody>
+      </p:sp>
+      <p:sp>
+        <p:nvSpPr>
+          <p:cNvPr id="10" name="TextBox 9"/>
+          <p:cNvSpPr txBox="1"/>
+          <p:nvPr/>
+        </p:nvSpPr>
+        <p:spPr>
+          <a:xfrm>
+            <a:off x="605307" y="3630148"/>
+            <a:ext cx="2475101" cy="707886"/>
+          </a:xfrm>
+          <a:prstGeom prst="rect">
+            <a:avLst/>
+          </a:prstGeom>
+          <a:noFill/>
+        </p:spPr>
+        <p:txBody>
+          <a:bodyPr wrap="none" rtlCol="0">
+            <a:spAutoFit/>
+          </a:bodyPr>
+          <a:lstStyle/>
+          <a:p>
+            <a:r>
+              <a:rPr lang="en-US" sz="4000" dirty="0" smtClean="0"/>
+              <a:t>Production</a:t>
+            </a:r>
+            <a:endParaRPr lang="en-US" sz="4000" dirty="0"/>
+          </a:p>
+        </p:txBody>
+      </p:sp>
+    </p:spTree>
+    <p:extLst>
+      <p:ext uri="{BB962C8B-B14F-4D97-AF65-F5344CB8AC3E}">
+        <p14:creationId xmlns:p14="http://schemas.microsoft.com/office/powerpoint/2010/main" val="3412457294"/>
+      </p:ext>
+    </p:extLst>
+  </p:cSld>
+  <p:clrMapOvr>
+    <a:masterClrMapping/>
+  </p:clrMapOvr>
+  <p:timing>
+    <p:tnLst>
+      <p:par>
+        <p:cTn id="1" dur="indefinite" restart="never" nodeType="tmRoot"/>
+      </p:par>
+    </p:tnLst>
+  </p:timing>
+</p:sld>
+</file>
+
+<file path=ppt/slides/slide4.xml><?xml version="1.0" encoding="utf-8"?>
+<p:sld xmlns:a="http://schemas.openxmlformats.org/drawingml/2006/main" xmlns:r="http://schemas.openxmlformats.org/officeDocument/2006/relationships" xmlns:p="http://schemas.openxmlformats.org/presentationml/2006/main">
+  <p:cSld>
+    <p:spTree>
+      <p:nvGrpSpPr>
+        <p:cNvPr id="1" name=""/>
+        <p:cNvGrpSpPr/>
+        <p:nvPr/>
+      </p:nvGrpSpPr>
+      <p:grpSpPr>
+        <a:xfrm>
+          <a:off x="0" y="0"/>
+          <a:ext cx="0" cy="0"/>
+          <a:chOff x="0" y="0"/>
+          <a:chExt cx="0" cy="0"/>
+        </a:xfrm>
+      </p:grpSpPr>
+      <p:sp>
+        <p:nvSpPr>
+          <p:cNvPr id="4" name="Title 3"/>
+          <p:cNvSpPr>
+            <a:spLocks noGrp="1"/>
+          </p:cNvSpPr>
+          <p:nvPr>
+            <p:ph type="title"/>
+          </p:nvPr>
+        </p:nvSpPr>
+        <p:spPr/>
+        <p:txBody>
+          <a:bodyPr/>
+          <a:lstStyle/>
+          <a:p>
+            <a:r>
+              <a:rPr lang="en-US" dirty="0" smtClean="0"/>
+              <a:t>Scripts</a:t>
+            </a:r>
+            <a:endParaRPr lang="en-US" dirty="0"/>
+          </a:p>
+        </p:txBody>
+      </p:sp>
+      <p:sp>
+        <p:nvSpPr>
+          <p:cNvPr id="8" name="TextBox 7"/>
+          <p:cNvSpPr txBox="1"/>
+          <p:nvPr/>
+        </p:nvSpPr>
+        <p:spPr>
+          <a:xfrm>
+            <a:off x="605307" y="1262582"/>
+            <a:ext cx="10433177" cy="707886"/>
+          </a:xfrm>
+          <a:prstGeom prst="rect">
+            <a:avLst/>
+          </a:prstGeom>
+          <a:noFill/>
+        </p:spPr>
+        <p:txBody>
+          <a:bodyPr wrap="none" rtlCol="0">
+            <a:spAutoFit/>
+          </a:bodyPr>
+          <a:lstStyle/>
+          <a:p>
+            <a:r>
+              <a:rPr lang="en-US" sz="4000" dirty="0">
+                <a:hlinkClick r:id="rId2"/>
+              </a:rPr>
+              <a:t>http://</a:t>
+            </a:r>
+            <a:r>
+              <a:rPr lang="en-US" sz="4000" dirty="0" smtClean="0">
+                <a:hlinkClick r:id="rId2"/>
+              </a:rPr>
+              <a:t>facebook.github.io/react/downloads.html</a:t>
+            </a:r>
+            <a:r>
+              <a:rPr lang="en-US" sz="4000" dirty="0" smtClean="0"/>
+              <a:t> </a:t>
+            </a:r>
+            <a:endParaRPr lang="en-US" sz="4000" dirty="0"/>
+          </a:p>
+        </p:txBody>
+      </p:sp>
+      <p:pic>
+        <p:nvPicPr>
+          <p:cNvPr id="2" name="Picture 1" descr="Screen Clipping"/>
+          <p:cNvPicPr>
+            <a:picLocks noChangeAspect="1"/>
+          </p:cNvPicPr>
+          <p:nvPr/>
+        </p:nvPicPr>
+        <p:blipFill>
+          <a:blip r:embed="rId3">
+            <a:extLst>
+              <a:ext uri="{28A0092B-C50C-407E-A947-70E740481C1C}">
+                <a14:useLocalDpi xmlns:a14="http://schemas.microsoft.com/office/drawing/2010/main" val="0"/>
+              </a:ext>
+            </a:extLst>
+          </a:blip>
+          <a:stretch>
+            <a:fillRect/>
+          </a:stretch>
+        </p:blipFill>
+        <p:spPr>
+          <a:xfrm>
+            <a:off x="2013397" y="1987348"/>
+            <a:ext cx="8165206" cy="4556786"/>
+          </a:xfrm>
+          <a:prstGeom prst="rect">
+            <a:avLst/>
+          </a:prstGeom>
+        </p:spPr>
+      </p:pic>
+    </p:spTree>
+    <p:extLst>
+      <p:ext uri="{BB962C8B-B14F-4D97-AF65-F5344CB8AC3E}">
+        <p14:creationId xmlns:p14="http://schemas.microsoft.com/office/powerpoint/2010/main" val="3478459491"/>
+      </p:ext>
+    </p:extLst>
+  </p:cSld>
+  <p:clrMapOvr>
+    <a:masterClrMapping/>
+  </p:clrMapOvr>
+  <p:timing>
+    <p:tnLst>
+      <p:par>
+        <p:cTn id="1" dur="indefinite" restart="never" nodeType="tmRoot"/>
+      </p:par>
+    </p:tnLst>
+  </p:timing>
+</p:sld>
+</file>
+
+<file path=ppt/slides/slide5.xml><?xml version="1.0" encoding="utf-8"?>
+<p:sld xmlns:a="http://schemas.openxmlformats.org/drawingml/2006/main" xmlns:r="http://schemas.openxmlformats.org/officeDocument/2006/relationships" xmlns:p="http://schemas.openxmlformats.org/presentationml/2006/main">
+  <p:cSld>
+    <p:spTree>
+      <p:nvGrpSpPr>
+        <p:cNvPr id="1" name=""/>
+        <p:cNvGrpSpPr/>
+        <p:nvPr/>
+      </p:nvGrpSpPr>
+      <p:grpSpPr>
+        <a:xfrm>
+          <a:off x="0" y="0"/>
+          <a:ext cx="0" cy="0"/>
+          <a:chOff x="0" y="0"/>
+          <a:chExt cx="0" cy="0"/>
+        </a:xfrm>
+      </p:grpSpPr>
+      <p:sp>
+        <p:nvSpPr>
+          <p:cNvPr id="4" name="Title 3"/>
+          <p:cNvSpPr>
+            <a:spLocks noGrp="1"/>
+          </p:cNvSpPr>
+          <p:nvPr>
+            <p:ph type="title"/>
+          </p:nvPr>
+        </p:nvSpPr>
+        <p:spPr/>
+        <p:txBody>
+          <a:bodyPr/>
+          <a:lstStyle/>
+          <a:p>
+            <a:r>
+              <a:rPr lang="en-US" dirty="0" smtClean="0"/>
+              <a:t>Using React via CDN</a:t>
+            </a:r>
+            <a:endParaRPr lang="en-US" dirty="0"/>
+          </a:p>
+        </p:txBody>
+      </p:sp>
+    </p:spTree>
+    <p:extLst>
+      <p:ext uri="{BB962C8B-B14F-4D97-AF65-F5344CB8AC3E}">
+        <p14:creationId xmlns:p14="http://schemas.microsoft.com/office/powerpoint/2010/main" val="3441755916"/>
+      </p:ext>
+    </p:extLst>
+  </p:cSld>
+  <p:clrMapOvr>
+    <a:masterClrMapping/>
+  </p:clrMapOvr>
+  <p:timing>
+    <p:tnLst>
+      <p:par>
+        <p:cTn id="1" dur="indefinite" restart="never" nodeType="tmRoot"/>
+      </p:par>
+    </p:tnLst>
+  </p:timing>
+</p:sld>
+</file>
+
+<file path=ppt/slides/slide6.xml><?xml version="1.0" encoding="utf-8"?>
+<p:sld xmlns:a="http://schemas.openxmlformats.org/drawingml/2006/main" xmlns:r="http://schemas.openxmlformats.org/officeDocument/2006/relationships" xmlns:p="http://schemas.openxmlformats.org/presentationml/2006/main">
+  <p:cSld>
+    <p:spTree>
+      <p:nvGrpSpPr>
+        <p:cNvPr id="1" name=""/>
+        <p:cNvGrpSpPr/>
+        <p:nvPr/>
+      </p:nvGrpSpPr>
+      <p:grpSpPr>
+        <a:xfrm>
+          <a:off x="0" y="0"/>
+          <a:ext cx="0" cy="0"/>
+          <a:chOff x="0" y="0"/>
+          <a:chExt cx="0" cy="0"/>
+        </a:xfrm>
+      </p:grpSpPr>
+      <p:sp>
+        <p:nvSpPr>
+          <p:cNvPr id="2" name="Text Placeholder 1"/>
+          <p:cNvSpPr>
+            <a:spLocks noGrp="1"/>
+          </p:cNvSpPr>
+          <p:nvPr>
+            <p:ph type="body" sz="quarter" idx="10"/>
+          </p:nvPr>
+        </p:nvSpPr>
+        <p:spPr/>
+        <p:txBody>
+          <a:bodyPr/>
+          <a:lstStyle/>
+          <a:p>
+            <a:r>
+              <a:rPr lang="en-US" dirty="0" smtClean="0"/>
+              <a:t>Bower</a:t>
+            </a:r>
+            <a:endParaRPr lang="en-US" dirty="0"/>
+          </a:p>
+        </p:txBody>
+      </p:sp>
+      <p:sp>
+        <p:nvSpPr>
+          <p:cNvPr id="3" name="Subtitle 2"/>
+          <p:cNvSpPr>
+            <a:spLocks noGrp="1"/>
+          </p:cNvSpPr>
+          <p:nvPr>
+            <p:ph type="subTitle" idx="1"/>
+          </p:nvPr>
+        </p:nvSpPr>
+        <p:spPr/>
+        <p:txBody>
+          <a:bodyPr/>
+          <a:lstStyle/>
+          <a:p>
+            <a:endParaRPr lang="en-US" dirty="0"/>
+          </a:p>
+        </p:txBody>
+      </p:sp>
+    </p:spTree>
+    <p:extLst>
+      <p:ext uri="{BB962C8B-B14F-4D97-AF65-F5344CB8AC3E}">
+        <p14:creationId xmlns:p14="http://schemas.microsoft.com/office/powerpoint/2010/main" val="2539802915"/>
+      </p:ext>
+    </p:extLst>
+  </p:cSld>
+  <p:clrMapOvr>
+    <a:masterClrMapping/>
+  </p:clrMapOvr>
+  <p:timing>
+    <p:tnLst>
+      <p:par>
+        <p:cTn id="1" dur="indefinite" restart="never" nodeType="tmRoot"/>
+      </p:par>
+    </p:tnLst>
+  </p:timing>
+</p:sld>
+</file>
+
+<file path=ppt/slides/slide7.xml><?xml version="1.0" encoding="utf-8"?>
+<p:sld xmlns:a="http://schemas.openxmlformats.org/drawingml/2006/main" xmlns:r="http://schemas.openxmlformats.org/officeDocument/2006/relationships" xmlns:p="http://schemas.openxmlformats.org/presentationml/2006/main">
+  <p:cSld>
+    <p:spTree>
+      <p:nvGrpSpPr>
+        <p:cNvPr id="1" name=""/>
+        <p:cNvGrpSpPr/>
+        <p:nvPr/>
+      </p:nvGrpSpPr>
+      <p:grpSpPr>
+        <a:xfrm>
+          <a:off x="0" y="0"/>
+          <a:ext cx="0" cy="0"/>
+          <a:chOff x="0" y="0"/>
+          <a:chExt cx="0" cy="0"/>
+        </a:xfrm>
+      </p:grpSpPr>
+      <p:sp>
+        <p:nvSpPr>
+          <p:cNvPr id="2" name="Title 1"/>
+          <p:cNvSpPr>
+            <a:spLocks noGrp="1"/>
+          </p:cNvSpPr>
+          <p:nvPr>
+            <p:ph type="title"/>
+          </p:nvPr>
+        </p:nvSpPr>
+        <p:spPr/>
+        <p:txBody>
+          <a:bodyPr/>
+          <a:lstStyle/>
+          <a:p>
+            <a:r>
+              <a:rPr lang="en-US" dirty="0" smtClean="0"/>
+              <a:t>Bower</a:t>
+            </a:r>
+            <a:endParaRPr lang="en-US" dirty="0"/>
+          </a:p>
+        </p:txBody>
+      </p:sp>
+      <p:pic>
+        <p:nvPicPr>
+          <p:cNvPr id="3" name="Picture 2" descr="C:\Windows\System32\cmd.exe"/>
+          <p:cNvPicPr>
+            <a:picLocks noChangeAspect="1"/>
+          </p:cNvPicPr>
+          <p:nvPr/>
+        </p:nvPicPr>
+        <p:blipFill>
+          <a:blip r:embed="rId2">
+            <a:extLst>
+              <a:ext uri="{28A0092B-C50C-407E-A947-70E740481C1C}">
+                <a14:useLocalDpi xmlns:a14="http://schemas.microsoft.com/office/drawing/2010/main" val="0"/>
+              </a:ext>
+            </a:extLst>
+          </a:blip>
+          <a:stretch>
+            <a:fillRect/>
+          </a:stretch>
+        </p:blipFill>
+        <p:spPr>
+          <a:xfrm>
+            <a:off x="370676" y="1886266"/>
+            <a:ext cx="11450648" cy="3162741"/>
+          </a:xfrm>
+          <a:prstGeom prst="rect">
+            <a:avLst/>
+          </a:prstGeom>
+        </p:spPr>
+      </p:pic>
+    </p:spTree>
+    <p:extLst>
+      <p:ext uri="{BB962C8B-B14F-4D97-AF65-F5344CB8AC3E}">
+        <p14:creationId xmlns:p14="http://schemas.microsoft.com/office/powerpoint/2010/main" val="2112204868"/>
+      </p:ext>
+    </p:extLst>
+  </p:cSld>
+  <p:clrMapOvr>
+    <a:masterClrMapping/>
+  </p:clrMapOvr>
+  <p:timing>
+    <p:tnLst>
+      <p:par>
+        <p:cTn id="1" dur="indefinite" restart="never" nodeType="tmRoot"/>
+      </p:par>
+    </p:tnLst>
+  </p:timing>
+</p:sld>
+</file>
+
+<file path=ppt/slides/slide8.xml><?xml version="1.0" encoding="utf-8"?>
+<p:sld xmlns:a="http://schemas.openxmlformats.org/drawingml/2006/main" xmlns:r="http://schemas.openxmlformats.org/officeDocument/2006/relationships" xmlns:p="http://schemas.openxmlformats.org/presentationml/2006/main">
+  <p:cSld>
+    <p:spTree>
+      <p:nvGrpSpPr>
+        <p:cNvPr id="1" name=""/>
+        <p:cNvGrpSpPr/>
+        <p:nvPr/>
+      </p:nvGrpSpPr>
+      <p:grpSpPr>
+        <a:xfrm>
+          <a:off x="0" y="0"/>
+          <a:ext cx="0" cy="0"/>
+          <a:chOff x="0" y="0"/>
+          <a:chExt cx="0" cy="0"/>
+        </a:xfrm>
+      </p:grpSpPr>
+      <p:sp>
+        <p:nvSpPr>
+          <p:cNvPr id="4" name="Title 3"/>
+          <p:cNvSpPr>
+            <a:spLocks noGrp="1"/>
+          </p:cNvSpPr>
+          <p:nvPr>
+            <p:ph type="title"/>
+          </p:nvPr>
+        </p:nvSpPr>
+        <p:spPr/>
+        <p:txBody>
+          <a:bodyPr/>
+          <a:lstStyle/>
+          <a:p>
+            <a:r>
+              <a:rPr lang="en-US" dirty="0" smtClean="0"/>
+              <a:t>Bower</a:t>
+            </a:r>
+            <a:endParaRPr lang="en-US" dirty="0"/>
+          </a:p>
+        </p:txBody>
+      </p:sp>
+    </p:spTree>
+    <p:extLst>
+      <p:ext uri="{BB962C8B-B14F-4D97-AF65-F5344CB8AC3E}">
+        <p14:creationId xmlns:p14="http://schemas.microsoft.com/office/powerpoint/2010/main" val="3204869790"/>
+      </p:ext>
+    </p:extLst>
+  </p:cSld>
+  <p:clrMapOvr>
+    <a:masterClrMapping/>
+  </p:clrMapOvr>
+  <p:timing>
+    <p:tnLst>
+      <p:par>
+        <p:cTn id="1" dur="indefinite" restart="never" nodeType="tmRoot"/>
+      </p:par>
+    </p:tnLst>
+  </p:timing>
+</p:sld>
+</file>
+
+<file path=ppt/slides/slide9.xml><?xml version="1.0" encoding="utf-8"?>
+<p:sld xmlns:a="http://schemas.openxmlformats.org/drawingml/2006/main" xmlns:r="http://schemas.openxmlformats.org/officeDocument/2006/relationships" xmlns:p="http://schemas.openxmlformats.org/presentationml/2006/main">
+  <p:cSld>
+    <p:spTree>
+      <p:nvGrpSpPr>
+        <p:cNvPr id="1" name=""/>
+        <p:cNvGrpSpPr/>
+        <p:nvPr/>
+      </p:nvGrpSpPr>
+      <p:grpSpPr>
+        <a:xfrm>
+          <a:off x="0" y="0"/>
+          <a:ext cx="0" cy="0"/>
+          <a:chOff x="0" y="0"/>
+          <a:chExt cx="0" cy="0"/>
+        </a:xfrm>
+      </p:grpSpPr>
+      <p:sp>
+        <p:nvSpPr>
+          <p:cNvPr id="2" name="Text Placeholder 1"/>
+          <p:cNvSpPr>
+            <a:spLocks noGrp="1"/>
+          </p:cNvSpPr>
+          <p:nvPr>
+            <p:ph type="body" sz="quarter" idx="10"/>
+          </p:nvPr>
+        </p:nvSpPr>
+        <p:spPr/>
+        <p:txBody>
+          <a:bodyPr/>
+          <a:lstStyle/>
+          <a:p>
+            <a:r>
+              <a:rPr lang="en-US" dirty="0" smtClean="0"/>
+              <a:t>Yeoman Generator</a:t>
+            </a:r>
+            <a:endParaRPr lang="en-US" dirty="0"/>
+          </a:p>
+        </p:txBody>
+      </p:sp>
+      <p:sp>
+        <p:nvSpPr>
+          <p:cNvPr id="3" name="Subtitle 2"/>
+          <p:cNvSpPr>
+            <a:spLocks noGrp="1"/>
+          </p:cNvSpPr>
+          <p:nvPr>
+            <p:ph type="subTitle" idx="1"/>
+          </p:nvPr>
+        </p:nvSpPr>
+        <p:spPr/>
+        <p:txBody>
+          <a:bodyPr/>
+          <a:lstStyle/>
+          <a:p>
+            <a:endParaRPr lang="en-US" dirty="0"/>
+          </a:p>
+        </p:txBody>
+      </p:sp>
+    </p:spTree>
+    <p:extLst>
+      <p:ext uri="{BB962C8B-B14F-4D97-AF65-F5344CB8AC3E}">
+        <p14:creationId xmlns:p14="http://schemas.microsoft.com/office/powerpoint/2010/main" val="2335977322"/>
+      </p:ext>
+    </p:extLst>
+  </p:cSld>
+  <p:clrMapOvr>
+    <a:masterClrMapping/>
+  </p:clrMapOvr>
   <p:timing>
     <p:tnLst>
       <p:par>
